--- a/finalProject Presentation.pptx
+++ b/finalProject Presentation.pptx
@@ -111,6 +111,22 @@
       </a:defRPr>
     </a:lvl9pPr>
   </p:defaultTextStyle>
+  <p:extLst>
+    <p:ext uri="{EFAFB233-063F-42B5-8137-9DF3F51BA10A}">
+      <p15:sldGuideLst xmlns:p15="http://schemas.microsoft.com/office/powerpoint/2012/main">
+        <p15:guide id="1" orient="horz" pos="2881">
+          <p15:clr>
+            <a:srgbClr val="A4A3A4"/>
+          </p15:clr>
+        </p15:guide>
+        <p15:guide id="2" pos="5121">
+          <p15:clr>
+            <a:srgbClr val="A4A3A4"/>
+          </p15:clr>
+        </p15:guide>
+      </p15:sldGuideLst>
+    </p:ext>
+  </p:extLst>
 </p:presentation>
 </file>
 
@@ -152,10 +168,9 @@
           <a:lstStyle/>
           <a:p>
             <a:r>
-              <a:rPr lang="he-IL" smtClean="0"/>
+              <a:rPr lang="he-IL"/>
               <a:t>לחץ כדי לערוך סגנון כותרת של תבנית בסיס</a:t>
             </a:r>
-            <a:endParaRPr lang="he-IL"/>
           </a:p>
         </p:txBody>
       </p:sp>
@@ -271,10 +286,9 @@
           </a:lstStyle>
           <a:p>
             <a:r>
-              <a:rPr lang="he-IL" smtClean="0"/>
+              <a:rPr lang="he-IL"/>
               <a:t>לחץ כדי לערוך סגנון כותרת משנה של תבנית בסיס</a:t>
             </a:r>
-            <a:endParaRPr lang="he-IL"/>
           </a:p>
         </p:txBody>
       </p:sp>
@@ -295,7 +309,7 @@
           <a:p>
             <a:fld id="{DA838D2E-97C3-40B3-A15D-C054FF477134}" type="datetimeFigureOut">
               <a:rPr lang="he-IL" smtClean="0"/>
-              <a:t>כ"ג/טבת/תש"פ</a:t>
+              <a:t>ג'/שבט/תש"פ</a:t>
             </a:fld>
             <a:endParaRPr lang="he-IL"/>
           </a:p>
@@ -389,10 +403,9 @@
           <a:lstStyle/>
           <a:p>
             <a:r>
-              <a:rPr lang="he-IL" smtClean="0"/>
+              <a:rPr lang="he-IL"/>
               <a:t>לחץ כדי לערוך סגנון כותרת של תבנית בסיס</a:t>
             </a:r>
-            <a:endParaRPr lang="he-IL"/>
           </a:p>
         </p:txBody>
       </p:sp>
@@ -413,38 +426,37 @@
           <a:p>
             <a:pPr lvl="0"/>
             <a:r>
-              <a:rPr lang="he-IL" smtClean="0"/>
+              <a:rPr lang="he-IL"/>
               <a:t>לחץ כדי לערוך סגנונות טקסט של תבנית בסיס</a:t>
             </a:r>
           </a:p>
           <a:p>
             <a:pPr lvl="1"/>
             <a:r>
-              <a:rPr lang="he-IL" smtClean="0"/>
+              <a:rPr lang="he-IL"/>
               <a:t>רמה שנייה</a:t>
             </a:r>
           </a:p>
           <a:p>
             <a:pPr lvl="2"/>
             <a:r>
-              <a:rPr lang="he-IL" smtClean="0"/>
+              <a:rPr lang="he-IL"/>
               <a:t>רמה שלישית</a:t>
             </a:r>
           </a:p>
           <a:p>
             <a:pPr lvl="3"/>
             <a:r>
-              <a:rPr lang="he-IL" smtClean="0"/>
+              <a:rPr lang="he-IL"/>
               <a:t>רמה רביעית</a:t>
             </a:r>
           </a:p>
           <a:p>
             <a:pPr lvl="4"/>
             <a:r>
-              <a:rPr lang="he-IL" smtClean="0"/>
+              <a:rPr lang="he-IL"/>
               <a:t>רמה חמישית</a:t>
             </a:r>
-            <a:endParaRPr lang="he-IL"/>
           </a:p>
         </p:txBody>
       </p:sp>
@@ -465,7 +477,7 @@
           <a:p>
             <a:fld id="{DA838D2E-97C3-40B3-A15D-C054FF477134}" type="datetimeFigureOut">
               <a:rPr lang="he-IL" smtClean="0"/>
-              <a:t>כ"ג/טבת/תש"פ</a:t>
+              <a:t>ג'/שבט/תש"פ</a:t>
             </a:fld>
             <a:endParaRPr lang="he-IL"/>
           </a:p>
@@ -564,10 +576,9 @@
           <a:lstStyle/>
           <a:p>
             <a:r>
-              <a:rPr lang="he-IL" smtClean="0"/>
+              <a:rPr lang="he-IL"/>
               <a:t>לחץ כדי לערוך סגנון כותרת של תבנית בסיס</a:t>
             </a:r>
-            <a:endParaRPr lang="he-IL"/>
           </a:p>
         </p:txBody>
       </p:sp>
@@ -593,38 +604,37 @@
           <a:p>
             <a:pPr lvl="0"/>
             <a:r>
-              <a:rPr lang="he-IL" smtClean="0"/>
+              <a:rPr lang="he-IL"/>
               <a:t>לחץ כדי לערוך סגנונות טקסט של תבנית בסיס</a:t>
             </a:r>
           </a:p>
           <a:p>
             <a:pPr lvl="1"/>
             <a:r>
-              <a:rPr lang="he-IL" smtClean="0"/>
+              <a:rPr lang="he-IL"/>
               <a:t>רמה שנייה</a:t>
             </a:r>
           </a:p>
           <a:p>
             <a:pPr lvl="2"/>
             <a:r>
-              <a:rPr lang="he-IL" smtClean="0"/>
+              <a:rPr lang="he-IL"/>
               <a:t>רמה שלישית</a:t>
             </a:r>
           </a:p>
           <a:p>
             <a:pPr lvl="3"/>
             <a:r>
-              <a:rPr lang="he-IL" smtClean="0"/>
+              <a:rPr lang="he-IL"/>
               <a:t>רמה רביעית</a:t>
             </a:r>
           </a:p>
           <a:p>
             <a:pPr lvl="4"/>
             <a:r>
-              <a:rPr lang="he-IL" smtClean="0"/>
+              <a:rPr lang="he-IL"/>
               <a:t>רמה חמישית</a:t>
             </a:r>
-            <a:endParaRPr lang="he-IL"/>
           </a:p>
         </p:txBody>
       </p:sp>
@@ -645,7 +655,7 @@
           <a:p>
             <a:fld id="{DA838D2E-97C3-40B3-A15D-C054FF477134}" type="datetimeFigureOut">
               <a:rPr lang="he-IL" smtClean="0"/>
-              <a:t>כ"ג/טבת/תש"פ</a:t>
+              <a:t>ג'/שבט/תש"פ</a:t>
             </a:fld>
             <a:endParaRPr lang="he-IL"/>
           </a:p>
@@ -739,10 +749,9 @@
           <a:lstStyle/>
           <a:p>
             <a:r>
-              <a:rPr lang="he-IL" smtClean="0"/>
+              <a:rPr lang="he-IL"/>
               <a:t>לחץ כדי לערוך סגנון כותרת של תבנית בסיס</a:t>
             </a:r>
-            <a:endParaRPr lang="he-IL"/>
           </a:p>
         </p:txBody>
       </p:sp>
@@ -763,38 +772,37 @@
           <a:p>
             <a:pPr lvl="0"/>
             <a:r>
-              <a:rPr lang="he-IL" smtClean="0"/>
+              <a:rPr lang="he-IL"/>
               <a:t>לחץ כדי לערוך סגנונות טקסט של תבנית בסיס</a:t>
             </a:r>
           </a:p>
           <a:p>
             <a:pPr lvl="1"/>
             <a:r>
-              <a:rPr lang="he-IL" smtClean="0"/>
+              <a:rPr lang="he-IL"/>
               <a:t>רמה שנייה</a:t>
             </a:r>
           </a:p>
           <a:p>
             <a:pPr lvl="2"/>
             <a:r>
-              <a:rPr lang="he-IL" smtClean="0"/>
+              <a:rPr lang="he-IL"/>
               <a:t>רמה שלישית</a:t>
             </a:r>
           </a:p>
           <a:p>
             <a:pPr lvl="3"/>
             <a:r>
-              <a:rPr lang="he-IL" smtClean="0"/>
+              <a:rPr lang="he-IL"/>
               <a:t>רמה רביעית</a:t>
             </a:r>
           </a:p>
           <a:p>
             <a:pPr lvl="4"/>
             <a:r>
-              <a:rPr lang="he-IL" smtClean="0"/>
+              <a:rPr lang="he-IL"/>
               <a:t>רמה חמישית</a:t>
             </a:r>
-            <a:endParaRPr lang="he-IL"/>
           </a:p>
         </p:txBody>
       </p:sp>
@@ -815,7 +823,7 @@
           <a:p>
             <a:fld id="{DA838D2E-97C3-40B3-A15D-C054FF477134}" type="datetimeFigureOut">
               <a:rPr lang="he-IL" smtClean="0"/>
-              <a:t>כ"ג/טבת/תש"פ</a:t>
+              <a:t>ג'/שבט/תש"פ</a:t>
             </a:fld>
             <a:endParaRPr lang="he-IL"/>
           </a:p>
@@ -918,10 +926,9 @@
           </a:lstStyle>
           <a:p>
             <a:r>
-              <a:rPr lang="he-IL" smtClean="0"/>
+              <a:rPr lang="he-IL"/>
               <a:t>לחץ כדי לערוך סגנון כותרת של תבנית בסיס</a:t>
             </a:r>
-            <a:endParaRPr lang="he-IL"/>
           </a:p>
         </p:txBody>
       </p:sp>
@@ -1038,7 +1045,7 @@
           <a:p>
             <a:pPr lvl="0"/>
             <a:r>
-              <a:rPr lang="he-IL" smtClean="0"/>
+              <a:rPr lang="he-IL"/>
               <a:t>לחץ כדי לערוך סגנונות טקסט של תבנית בסיס</a:t>
             </a:r>
           </a:p>
@@ -1061,7 +1068,7 @@
           <a:p>
             <a:fld id="{DA838D2E-97C3-40B3-A15D-C054FF477134}" type="datetimeFigureOut">
               <a:rPr lang="he-IL" smtClean="0"/>
-              <a:t>כ"ג/טבת/תש"פ</a:t>
+              <a:t>ג'/שבט/תש"פ</a:t>
             </a:fld>
             <a:endParaRPr lang="he-IL"/>
           </a:p>
@@ -1155,10 +1162,9 @@
           <a:lstStyle/>
           <a:p>
             <a:r>
-              <a:rPr lang="he-IL" smtClean="0"/>
+              <a:rPr lang="he-IL"/>
               <a:t>לחץ כדי לערוך סגנון כותרת של תבנית בסיס</a:t>
             </a:r>
-            <a:endParaRPr lang="he-IL"/>
           </a:p>
         </p:txBody>
       </p:sp>
@@ -1212,38 +1218,37 @@
           <a:p>
             <a:pPr lvl="0"/>
             <a:r>
-              <a:rPr lang="he-IL" smtClean="0"/>
+              <a:rPr lang="he-IL"/>
               <a:t>לחץ כדי לערוך סגנונות טקסט של תבנית בסיס</a:t>
             </a:r>
           </a:p>
           <a:p>
             <a:pPr lvl="1"/>
             <a:r>
-              <a:rPr lang="he-IL" smtClean="0"/>
+              <a:rPr lang="he-IL"/>
               <a:t>רמה שנייה</a:t>
             </a:r>
           </a:p>
           <a:p>
             <a:pPr lvl="2"/>
             <a:r>
-              <a:rPr lang="he-IL" smtClean="0"/>
+              <a:rPr lang="he-IL"/>
               <a:t>רמה שלישית</a:t>
             </a:r>
           </a:p>
           <a:p>
             <a:pPr lvl="3"/>
             <a:r>
-              <a:rPr lang="he-IL" smtClean="0"/>
+              <a:rPr lang="he-IL"/>
               <a:t>רמה רביעית</a:t>
             </a:r>
           </a:p>
           <a:p>
             <a:pPr lvl="4"/>
             <a:r>
-              <a:rPr lang="he-IL" smtClean="0"/>
+              <a:rPr lang="he-IL"/>
               <a:t>רמה חמישית</a:t>
             </a:r>
-            <a:endParaRPr lang="he-IL"/>
           </a:p>
         </p:txBody>
       </p:sp>
@@ -1297,38 +1302,37 @@
           <a:p>
             <a:pPr lvl="0"/>
             <a:r>
-              <a:rPr lang="he-IL" smtClean="0"/>
+              <a:rPr lang="he-IL"/>
               <a:t>לחץ כדי לערוך סגנונות טקסט של תבנית בסיס</a:t>
             </a:r>
           </a:p>
           <a:p>
             <a:pPr lvl="1"/>
             <a:r>
-              <a:rPr lang="he-IL" smtClean="0"/>
+              <a:rPr lang="he-IL"/>
               <a:t>רמה שנייה</a:t>
             </a:r>
           </a:p>
           <a:p>
             <a:pPr lvl="2"/>
             <a:r>
-              <a:rPr lang="he-IL" smtClean="0"/>
+              <a:rPr lang="he-IL"/>
               <a:t>רמה שלישית</a:t>
             </a:r>
           </a:p>
           <a:p>
             <a:pPr lvl="3"/>
             <a:r>
-              <a:rPr lang="he-IL" smtClean="0"/>
+              <a:rPr lang="he-IL"/>
               <a:t>רמה רביעית</a:t>
             </a:r>
           </a:p>
           <a:p>
             <a:pPr lvl="4"/>
             <a:r>
-              <a:rPr lang="he-IL" smtClean="0"/>
+              <a:rPr lang="he-IL"/>
               <a:t>רמה חמישית</a:t>
             </a:r>
-            <a:endParaRPr lang="he-IL"/>
           </a:p>
         </p:txBody>
       </p:sp>
@@ -1349,7 +1353,7 @@
           <a:p>
             <a:fld id="{DA838D2E-97C3-40B3-A15D-C054FF477134}" type="datetimeFigureOut">
               <a:rPr lang="he-IL" smtClean="0"/>
-              <a:t>כ"ג/טבת/תש"פ</a:t>
+              <a:t>ג'/שבט/תש"פ</a:t>
             </a:fld>
             <a:endParaRPr lang="he-IL"/>
           </a:p>
@@ -1452,10 +1456,9 @@
           </a:lstStyle>
           <a:p>
             <a:r>
-              <a:rPr lang="he-IL" smtClean="0"/>
+              <a:rPr lang="he-IL"/>
               <a:t>לחץ כדי לערוך סגנון כותרת של תבנית בסיס</a:t>
             </a:r>
-            <a:endParaRPr lang="he-IL"/>
           </a:p>
         </p:txBody>
       </p:sp>
@@ -1518,7 +1521,7 @@
           <a:p>
             <a:pPr lvl="0"/>
             <a:r>
-              <a:rPr lang="he-IL" smtClean="0"/>
+              <a:rPr lang="he-IL"/>
               <a:t>לחץ כדי לערוך סגנונות טקסט של תבנית בסיס</a:t>
             </a:r>
           </a:p>
@@ -1574,38 +1577,37 @@
           <a:p>
             <a:pPr lvl="0"/>
             <a:r>
-              <a:rPr lang="he-IL" smtClean="0"/>
+              <a:rPr lang="he-IL"/>
               <a:t>לחץ כדי לערוך סגנונות טקסט של תבנית בסיס</a:t>
             </a:r>
           </a:p>
           <a:p>
             <a:pPr lvl="1"/>
             <a:r>
-              <a:rPr lang="he-IL" smtClean="0"/>
+              <a:rPr lang="he-IL"/>
               <a:t>רמה שנייה</a:t>
             </a:r>
           </a:p>
           <a:p>
             <a:pPr lvl="2"/>
             <a:r>
-              <a:rPr lang="he-IL" smtClean="0"/>
+              <a:rPr lang="he-IL"/>
               <a:t>רמה שלישית</a:t>
             </a:r>
           </a:p>
           <a:p>
             <a:pPr lvl="3"/>
             <a:r>
-              <a:rPr lang="he-IL" smtClean="0"/>
+              <a:rPr lang="he-IL"/>
               <a:t>רמה רביעית</a:t>
             </a:r>
           </a:p>
           <a:p>
             <a:pPr lvl="4"/>
             <a:r>
-              <a:rPr lang="he-IL" smtClean="0"/>
+              <a:rPr lang="he-IL"/>
               <a:t>רמה חמישית</a:t>
             </a:r>
-            <a:endParaRPr lang="he-IL"/>
           </a:p>
         </p:txBody>
       </p:sp>
@@ -1668,7 +1670,7 @@
           <a:p>
             <a:pPr lvl="0"/>
             <a:r>
-              <a:rPr lang="he-IL" smtClean="0"/>
+              <a:rPr lang="he-IL"/>
               <a:t>לחץ כדי לערוך סגנונות טקסט של תבנית בסיס</a:t>
             </a:r>
           </a:p>
@@ -1724,38 +1726,37 @@
           <a:p>
             <a:pPr lvl="0"/>
             <a:r>
-              <a:rPr lang="he-IL" smtClean="0"/>
+              <a:rPr lang="he-IL"/>
               <a:t>לחץ כדי לערוך סגנונות טקסט של תבנית בסיס</a:t>
             </a:r>
           </a:p>
           <a:p>
             <a:pPr lvl="1"/>
             <a:r>
-              <a:rPr lang="he-IL" smtClean="0"/>
+              <a:rPr lang="he-IL"/>
               <a:t>רמה שנייה</a:t>
             </a:r>
           </a:p>
           <a:p>
             <a:pPr lvl="2"/>
             <a:r>
-              <a:rPr lang="he-IL" smtClean="0"/>
+              <a:rPr lang="he-IL"/>
               <a:t>רמה שלישית</a:t>
             </a:r>
           </a:p>
           <a:p>
             <a:pPr lvl="3"/>
             <a:r>
-              <a:rPr lang="he-IL" smtClean="0"/>
+              <a:rPr lang="he-IL"/>
               <a:t>רמה רביעית</a:t>
             </a:r>
           </a:p>
           <a:p>
             <a:pPr lvl="4"/>
             <a:r>
-              <a:rPr lang="he-IL" smtClean="0"/>
+              <a:rPr lang="he-IL"/>
               <a:t>רמה חמישית</a:t>
             </a:r>
-            <a:endParaRPr lang="he-IL"/>
           </a:p>
         </p:txBody>
       </p:sp>
@@ -1776,7 +1777,7 @@
           <a:p>
             <a:fld id="{DA838D2E-97C3-40B3-A15D-C054FF477134}" type="datetimeFigureOut">
               <a:rPr lang="he-IL" smtClean="0"/>
-              <a:t>כ"ג/טבת/תש"פ</a:t>
+              <a:t>ג'/שבט/תש"פ</a:t>
             </a:fld>
             <a:endParaRPr lang="he-IL"/>
           </a:p>
@@ -1870,10 +1871,9 @@
           <a:lstStyle/>
           <a:p>
             <a:r>
-              <a:rPr lang="he-IL" smtClean="0"/>
+              <a:rPr lang="he-IL"/>
               <a:t>לחץ כדי לערוך סגנון כותרת של תבנית בסיס</a:t>
             </a:r>
-            <a:endParaRPr lang="he-IL"/>
           </a:p>
         </p:txBody>
       </p:sp>
@@ -1894,7 +1894,7 @@
           <a:p>
             <a:fld id="{DA838D2E-97C3-40B3-A15D-C054FF477134}" type="datetimeFigureOut">
               <a:rPr lang="he-IL" smtClean="0"/>
-              <a:t>כ"ג/טבת/תש"פ</a:t>
+              <a:t>ג'/שבט/תש"פ</a:t>
             </a:fld>
             <a:endParaRPr lang="he-IL"/>
           </a:p>
@@ -1989,7 +1989,7 @@
           <a:p>
             <a:fld id="{DA838D2E-97C3-40B3-A15D-C054FF477134}" type="datetimeFigureOut">
               <a:rPr lang="he-IL" smtClean="0"/>
-              <a:t>כ"ג/טבת/תש"פ</a:t>
+              <a:t>ג'/שבט/תש"פ</a:t>
             </a:fld>
             <a:endParaRPr lang="he-IL"/>
           </a:p>
@@ -2092,10 +2092,9 @@
           </a:lstStyle>
           <a:p>
             <a:r>
-              <a:rPr lang="he-IL" smtClean="0"/>
+              <a:rPr lang="he-IL"/>
               <a:t>לחץ כדי לערוך סגנון כותרת של תבנית בסיס</a:t>
             </a:r>
-            <a:endParaRPr lang="he-IL"/>
           </a:p>
         </p:txBody>
       </p:sp>
@@ -2149,38 +2148,37 @@
           <a:p>
             <a:pPr lvl="0"/>
             <a:r>
-              <a:rPr lang="he-IL" smtClean="0"/>
+              <a:rPr lang="he-IL"/>
               <a:t>לחץ כדי לערוך סגנונות טקסט של תבנית בסיס</a:t>
             </a:r>
           </a:p>
           <a:p>
             <a:pPr lvl="1"/>
             <a:r>
-              <a:rPr lang="he-IL" smtClean="0"/>
+              <a:rPr lang="he-IL"/>
               <a:t>רמה שנייה</a:t>
             </a:r>
           </a:p>
           <a:p>
             <a:pPr lvl="2"/>
             <a:r>
-              <a:rPr lang="he-IL" smtClean="0"/>
+              <a:rPr lang="he-IL"/>
               <a:t>רמה שלישית</a:t>
             </a:r>
           </a:p>
           <a:p>
             <a:pPr lvl="3"/>
             <a:r>
-              <a:rPr lang="he-IL" smtClean="0"/>
+              <a:rPr lang="he-IL"/>
               <a:t>רמה רביעית</a:t>
             </a:r>
           </a:p>
           <a:p>
             <a:pPr lvl="4"/>
             <a:r>
-              <a:rPr lang="he-IL" smtClean="0"/>
+              <a:rPr lang="he-IL"/>
               <a:t>רמה חמישית</a:t>
             </a:r>
-            <a:endParaRPr lang="he-IL"/>
           </a:p>
         </p:txBody>
       </p:sp>
@@ -2243,7 +2241,7 @@
           <a:p>
             <a:pPr lvl="0"/>
             <a:r>
-              <a:rPr lang="he-IL" smtClean="0"/>
+              <a:rPr lang="he-IL"/>
               <a:t>לחץ כדי לערוך סגנונות טקסט של תבנית בסיס</a:t>
             </a:r>
           </a:p>
@@ -2266,7 +2264,7 @@
           <a:p>
             <a:fld id="{DA838D2E-97C3-40B3-A15D-C054FF477134}" type="datetimeFigureOut">
               <a:rPr lang="he-IL" smtClean="0"/>
-              <a:t>כ"ג/טבת/תש"פ</a:t>
+              <a:t>ג'/שבט/תש"פ</a:t>
             </a:fld>
             <a:endParaRPr lang="he-IL"/>
           </a:p>
@@ -2369,10 +2367,9 @@
           </a:lstStyle>
           <a:p>
             <a:r>
-              <a:rPr lang="he-IL" smtClean="0"/>
+              <a:rPr lang="he-IL"/>
               <a:t>לחץ כדי לערוך סגנון כותרת של תבנית בסיס</a:t>
             </a:r>
-            <a:endParaRPr lang="he-IL"/>
           </a:p>
         </p:txBody>
       </p:sp>
@@ -2496,7 +2493,7 @@
           <a:p>
             <a:pPr lvl="0"/>
             <a:r>
-              <a:rPr lang="he-IL" smtClean="0"/>
+              <a:rPr lang="he-IL"/>
               <a:t>לחץ כדי לערוך סגנונות טקסט של תבנית בסיס</a:t>
             </a:r>
           </a:p>
@@ -2519,7 +2516,7 @@
           <a:p>
             <a:fld id="{DA838D2E-97C3-40B3-A15D-C054FF477134}" type="datetimeFigureOut">
               <a:rPr lang="he-IL" smtClean="0"/>
-              <a:t>כ"ג/טבת/תש"פ</a:t>
+              <a:t>ג'/שבט/תש"פ</a:t>
             </a:fld>
             <a:endParaRPr lang="he-IL"/>
           </a:p>
@@ -2631,10 +2628,9 @@
           <a:lstStyle/>
           <a:p>
             <a:r>
-              <a:rPr lang="he-IL" smtClean="0"/>
+              <a:rPr lang="he-IL"/>
               <a:t>לחץ כדי לערוך סגנון כותרת של תבנית בסיס</a:t>
             </a:r>
-            <a:endParaRPr lang="he-IL"/>
           </a:p>
         </p:txBody>
       </p:sp>
@@ -2665,38 +2661,37 @@
           <a:p>
             <a:pPr lvl="0"/>
             <a:r>
-              <a:rPr lang="he-IL" smtClean="0"/>
+              <a:rPr lang="he-IL"/>
               <a:t>לחץ כדי לערוך סגנונות טקסט של תבנית בסיס</a:t>
             </a:r>
           </a:p>
           <a:p>
             <a:pPr lvl="1"/>
             <a:r>
-              <a:rPr lang="he-IL" smtClean="0"/>
+              <a:rPr lang="he-IL"/>
               <a:t>רמה שנייה</a:t>
             </a:r>
           </a:p>
           <a:p>
             <a:pPr lvl="2"/>
             <a:r>
-              <a:rPr lang="he-IL" smtClean="0"/>
+              <a:rPr lang="he-IL"/>
               <a:t>רמה שלישית</a:t>
             </a:r>
           </a:p>
           <a:p>
             <a:pPr lvl="3"/>
             <a:r>
-              <a:rPr lang="he-IL" smtClean="0"/>
+              <a:rPr lang="he-IL"/>
               <a:t>רמה רביעית</a:t>
             </a:r>
           </a:p>
           <a:p>
             <a:pPr lvl="4"/>
             <a:r>
-              <a:rPr lang="he-IL" smtClean="0"/>
+              <a:rPr lang="he-IL"/>
               <a:t>רמה חמישית</a:t>
             </a:r>
-            <a:endParaRPr lang="he-IL"/>
           </a:p>
         </p:txBody>
       </p:sp>
@@ -2735,7 +2730,7 @@
           <a:p>
             <a:fld id="{DA838D2E-97C3-40B3-A15D-C054FF477134}" type="datetimeFigureOut">
               <a:rPr lang="he-IL" smtClean="0"/>
-              <a:t>כ"ג/טבת/תש"פ</a:t>
+              <a:t>ג'/שבט/תש"פ</a:t>
             </a:fld>
             <a:endParaRPr lang="he-IL"/>
           </a:p>
@@ -3294,7 +3289,7 @@
           <p:cNvPr id="5" name="כותרת משנה 2">
             <a:extLst>
               <a:ext uri="{FF2B5EF4-FFF2-40B4-BE49-F238E27FC236}">
-                <a16:creationId xmlns:a16="http://schemas.microsoft.com/office/drawing/2014/main" xmlns="" id="{0BAB5F69-E044-4326-8965-D7332591085B}"/>
+                <a16:creationId xmlns:a16="http://schemas.microsoft.com/office/drawing/2014/main" id="{0BAB5F69-E044-4326-8965-D7332591085B}"/>
               </a:ext>
             </a:extLst>
           </p:cNvPr>
@@ -3473,7 +3468,7 @@
           </a:lstStyle>
           <a:p>
             <a:r>
-              <a:rPr lang="he-IL" sz="1800" dirty="0" smtClean="0">
+              <a:rPr lang="he-IL" sz="1800" dirty="0">
                 <a:solidFill>
                   <a:schemeClr val="tx1"/>
                 </a:solidFill>
@@ -3482,13 +3477,6 @@
               </a:rPr>
               <a:t>פרויקט מסכם בקורס סדנא בתכנות יישומים ניידים באנדרואיד </a:t>
             </a:r>
-            <a:endParaRPr lang="he-IL" sz="1800" dirty="0">
-              <a:solidFill>
-                <a:schemeClr val="tx1"/>
-              </a:solidFill>
-              <a:latin typeface="Calibri" pitchFamily="34" charset="0"/>
-              <a:cs typeface="Calibri" pitchFamily="34" charset="0"/>
-            </a:endParaRPr>
           </a:p>
         </p:txBody>
       </p:sp>
@@ -3497,7 +3485,7 @@
           <p:cNvPr id="6" name="כותרת משנה 2">
             <a:extLst>
               <a:ext uri="{FF2B5EF4-FFF2-40B4-BE49-F238E27FC236}">
-                <a16:creationId xmlns:a16="http://schemas.microsoft.com/office/drawing/2014/main" xmlns="" id="{0BAB5F69-E044-4326-8965-D7332591085B}"/>
+                <a16:creationId xmlns:a16="http://schemas.microsoft.com/office/drawing/2014/main" id="{0BAB5F69-E044-4326-8965-D7332591085B}"/>
               </a:ext>
             </a:extLst>
           </p:cNvPr>
@@ -3681,7 +3669,7 @@
               </a:spcBef>
             </a:pPr>
             <a:r>
-              <a:rPr lang="he-IL" sz="1800" dirty="0" smtClean="0">
+              <a:rPr lang="he-IL" sz="1800" dirty="0">
                 <a:solidFill>
                   <a:schemeClr val="tx1"/>
                 </a:solidFill>
@@ -3690,18 +3678,8 @@
               </a:rPr>
               <a:t>סמסטר א' תש"פ</a:t>
             </a:r>
-            <a:r>
-              <a:rPr lang="en-US" sz="1800" dirty="0" smtClean="0">
-                <a:solidFill>
-                  <a:schemeClr val="tx1"/>
-                </a:solidFill>
-                <a:latin typeface="Calibri" pitchFamily="34" charset="0"/>
-                <a:cs typeface="Calibri" pitchFamily="34" charset="0"/>
-              </a:rPr>
-              <a:t/>
-            </a:r>
             <a:br>
-              <a:rPr lang="en-US" sz="1800" dirty="0" smtClean="0">
+              <a:rPr lang="en-US" sz="1800" dirty="0">
                 <a:solidFill>
                   <a:schemeClr val="tx1"/>
                 </a:solidFill>
@@ -3710,7 +3688,7 @@
               </a:rPr>
             </a:br>
             <a:r>
-              <a:rPr lang="he-IL" sz="1800" dirty="0" smtClean="0">
+              <a:rPr lang="he-IL" sz="1800" dirty="0">
                 <a:solidFill>
                   <a:schemeClr val="tx1"/>
                 </a:solidFill>
@@ -3719,13 +3697,6 @@
               </a:rPr>
               <a:t>21.01.2020</a:t>
             </a:r>
-            <a:endParaRPr lang="he-IL" sz="1800" dirty="0">
-              <a:solidFill>
-                <a:schemeClr val="tx1"/>
-              </a:solidFill>
-              <a:latin typeface="Calibri" pitchFamily="34" charset="0"/>
-              <a:cs typeface="Calibri" pitchFamily="34" charset="0"/>
-            </a:endParaRPr>
           </a:p>
         </p:txBody>
       </p:sp>
@@ -3734,7 +3705,7 @@
           <p:cNvPr id="7" name="כותרת משנה 2">
             <a:extLst>
               <a:ext uri="{FF2B5EF4-FFF2-40B4-BE49-F238E27FC236}">
-                <a16:creationId xmlns:a16="http://schemas.microsoft.com/office/drawing/2014/main" xmlns="" id="{0BAB5F69-E044-4326-8965-D7332591085B}"/>
+                <a16:creationId xmlns:a16="http://schemas.microsoft.com/office/drawing/2014/main" id="{0BAB5F69-E044-4326-8965-D7332591085B}"/>
               </a:ext>
             </a:extLst>
           </p:cNvPr>
@@ -3918,14 +3889,34 @@
               </a:spcBef>
             </a:pPr>
             <a:r>
-              <a:rPr lang="he-IL" sz="1800" b="1" dirty="0" smtClean="0">
+              <a:rPr lang="he-IL" sz="1800" b="1">
                 <a:solidFill>
                   <a:schemeClr val="tx1"/>
                 </a:solidFill>
                 <a:latin typeface="Calibri" pitchFamily="34" charset="0"/>
                 <a:cs typeface="Calibri" pitchFamily="34" charset="0"/>
               </a:rPr>
-              <a:t>חן פרנסה 316558196 | רחלי ורכזון 305710071</a:t>
+              <a:t>חן פרנסה </a:t>
+            </a:r>
+            <a:r>
+              <a:rPr lang="he-IL" sz="1800" b="1" dirty="0">
+                <a:solidFill>
+                  <a:schemeClr val="tx1"/>
+                </a:solidFill>
+                <a:latin typeface="Calibri" pitchFamily="34" charset="0"/>
+                <a:cs typeface="Calibri" pitchFamily="34" charset="0"/>
+              </a:rPr>
+              <a:t>| </a:t>
+            </a:r>
+            <a:r>
+              <a:rPr lang="he-IL" sz="1800" b="1">
+                <a:solidFill>
+                  <a:schemeClr val="tx1"/>
+                </a:solidFill>
+                <a:latin typeface="Calibri" pitchFamily="34" charset="0"/>
+                <a:cs typeface="Calibri" pitchFamily="34" charset="0"/>
+              </a:rPr>
+              <a:t>רחלי ורכזון</a:t>
             </a:r>
             <a:endParaRPr lang="he-IL" sz="1800" b="1" dirty="0">
               <a:solidFill>
@@ -4044,7 +4035,7 @@
           <a:p>
             <a:pPr algn="l"/>
             <a:r>
-              <a:rPr lang="en-US" sz="9600" b="1" dirty="0" smtClean="0">
+              <a:rPr lang="en-US" sz="9600" b="1" dirty="0">
                 <a:gradFill>
                   <a:gsLst>
                     <a:gs pos="0">
@@ -4070,7 +4061,7 @@
               <a:t>M</a:t>
             </a:r>
             <a:r>
-              <a:rPr lang="en-US" sz="8000" b="1" dirty="0" smtClean="0">
+              <a:rPr lang="en-US" sz="8000" b="1" dirty="0">
                 <a:gradFill>
                   <a:gsLst>
                     <a:gs pos="0">
@@ -4096,7 +4087,7 @@
               <a:t>EDICAL </a:t>
             </a:r>
             <a:r>
-              <a:rPr lang="en-US" sz="9600" b="1" dirty="0" smtClean="0">
+              <a:rPr lang="en-US" sz="9600" b="1" dirty="0">
                 <a:gradFill>
                   <a:gsLst>
                     <a:gs pos="0">
@@ -4122,7 +4113,7 @@
               <a:t>M</a:t>
             </a:r>
             <a:r>
-              <a:rPr lang="en-US" sz="8000" b="1" dirty="0" smtClean="0">
+              <a:rPr lang="en-US" sz="8000" b="1" dirty="0">
                 <a:gradFill>
                   <a:gsLst>
                     <a:gs pos="0">
@@ -4148,7 +4139,7 @@
               <a:t>OVEMENT </a:t>
             </a:r>
             <a:r>
-              <a:rPr lang="en-US" sz="9600" b="1" dirty="0" smtClean="0">
+              <a:rPr lang="en-US" sz="9600" b="1" dirty="0">
                 <a:gradFill>
                   <a:gsLst>
                     <a:gs pos="0">
@@ -4174,7 +4165,7 @@
               <a:t>S</a:t>
             </a:r>
             <a:r>
-              <a:rPr lang="en-US" sz="8000" b="1" dirty="0" smtClean="0">
+              <a:rPr lang="en-US" sz="8000" b="1" dirty="0">
                 <a:gradFill>
                   <a:gsLst>
                     <a:gs pos="0">
@@ -4235,13 +4226,6 @@
   <p:clrMapOvr>
     <a:masterClrMapping/>
   </p:clrMapOvr>
-  <p:timing>
-    <p:tnLst>
-      <p:par>
-        <p:cTn id="1" dur="indefinite" restart="never" nodeType="tmRoot"/>
-      </p:par>
-    </p:tnLst>
-  </p:timing>
 </p:sld>
 </file>
 
@@ -4516,21 +4500,14 @@
           <a:lstStyle/>
           <a:p>
             <a:r>
-              <a:rPr lang="he-IL" sz="2400" b="1" dirty="0" smtClean="0">
+              <a:rPr lang="he-IL" sz="2400" b="1" dirty="0">
                 <a:latin typeface="Calibri" pitchFamily="34" charset="0"/>
                 <a:cs typeface="Calibri" pitchFamily="34" charset="0"/>
               </a:rPr>
               <a:t>למה משמשת האפליקציה?</a:t>
             </a:r>
-            <a:r>
-              <a:rPr lang="en-US" sz="2400" b="1" dirty="0" smtClean="0">
-                <a:latin typeface="Calibri" pitchFamily="34" charset="0"/>
-                <a:cs typeface="Calibri" pitchFamily="34" charset="0"/>
-              </a:rPr>
-              <a:t/>
-            </a:r>
             <a:br>
-              <a:rPr lang="en-US" sz="2400" b="1" dirty="0" smtClean="0">
+              <a:rPr lang="en-US" sz="2400" b="1" dirty="0">
                 <a:latin typeface="Calibri" pitchFamily="34" charset="0"/>
                 <a:cs typeface="Calibri" pitchFamily="34" charset="0"/>
               </a:rPr>
@@ -4672,21 +4649,14 @@
           <a:lstStyle/>
           <a:p>
             <a:r>
-              <a:rPr lang="he-IL" sz="2400" b="1" dirty="0" smtClean="0">
+              <a:rPr lang="he-IL" sz="2400" b="1" dirty="0">
                 <a:latin typeface="Calibri" pitchFamily="34" charset="0"/>
                 <a:cs typeface="Calibri" pitchFamily="34" charset="0"/>
               </a:rPr>
               <a:t>מה ניתן לעשות עם האפליקציה?</a:t>
             </a:r>
-            <a:r>
-              <a:rPr lang="en-US" sz="2400" b="1" dirty="0" smtClean="0">
-                <a:latin typeface="Calibri" pitchFamily="34" charset="0"/>
-                <a:cs typeface="Calibri" pitchFamily="34" charset="0"/>
-              </a:rPr>
-              <a:t/>
-            </a:r>
             <a:br>
-              <a:rPr lang="en-US" sz="2400" b="1" dirty="0" smtClean="0">
+              <a:rPr lang="en-US" sz="2400" b="1" dirty="0">
                 <a:latin typeface="Calibri" pitchFamily="34" charset="0"/>
                 <a:cs typeface="Calibri" pitchFamily="34" charset="0"/>
               </a:rPr>
@@ -4696,170 +4666,79 @@
                 <a:latin typeface="Calibri" pitchFamily="34" charset="0"/>
                 <a:cs typeface="Calibri" pitchFamily="34" charset="0"/>
               </a:rPr>
-              <a:t>ניתן </a:t>
-            </a:r>
-            <a:r>
-              <a:rPr lang="he-IL" sz="2400" dirty="0" smtClean="0">
+              <a:t>ניתן לעקוב ולאמוד באופן מספרי מדויק אחר רעד הידיים בפעולות השונות, לפתח את המודעות לבעיה ובכך לנסות להפחית את הרעד. </a:t>
+            </a:r>
+          </a:p>
+        </p:txBody>
+      </p:sp>
+      <p:sp>
+        <p:nvSpPr>
+          <p:cNvPr id="12" name="TextBox 11"/>
+          <p:cNvSpPr txBox="1"/>
+          <p:nvPr/>
+        </p:nvSpPr>
+        <p:spPr>
+          <a:xfrm>
+            <a:off x="409028" y="3180794"/>
+            <a:ext cx="4689719" cy="2431435"/>
+          </a:xfrm>
+          <a:prstGeom prst="rect">
+            <a:avLst/>
+          </a:prstGeom>
+          <a:noFill/>
+        </p:spPr>
+        <p:txBody>
+          <a:bodyPr wrap="square" rtlCol="1">
+            <a:spAutoFit/>
+          </a:bodyPr>
+          <a:lstStyle/>
+          <a:p>
+            <a:r>
+              <a:rPr lang="he-IL" sz="2400" b="1" dirty="0">
                 <a:latin typeface="Calibri" pitchFamily="34" charset="0"/>
                 <a:cs typeface="Calibri" pitchFamily="34" charset="0"/>
               </a:rPr>
-              <a:t>לעקוב </a:t>
-            </a:r>
+              <a:t>למה כדאי להשתמש באפליקציה?</a:t>
+            </a:r>
+            <a:br>
+              <a:rPr lang="en-US" sz="2400" b="1" dirty="0">
+                <a:latin typeface="Calibri" pitchFamily="34" charset="0"/>
+                <a:cs typeface="Calibri" pitchFamily="34" charset="0"/>
+              </a:rPr>
+            </a:br>
+            <a:r>
+              <a:rPr lang="he-IL" sz="2000" b="1" dirty="0">
+                <a:latin typeface="Calibri" pitchFamily="34" charset="0"/>
+                <a:cs typeface="Calibri" pitchFamily="34" charset="0"/>
+              </a:rPr>
+              <a:t>"</a:t>
+            </a:r>
+            <a:r>
+              <a:rPr lang="he-IL" sz="2000" dirty="0">
+                <a:latin typeface="Calibri" pitchFamily="34" charset="0"/>
+                <a:cs typeface="Calibri" pitchFamily="34" charset="0"/>
+              </a:rPr>
+              <a:t>קיים רעד פיזיולוגי שיכול להופיע אצל כל אדם. רעד כזה יכול לנבוע ממצבי לחץ ומגורמים סביבתיים שונים, והוא עלול להתגבר בשל סיבות שונות.." (ד"ר ערן גורן</a:t>
+            </a:r>
+            <a:r>
+              <a:rPr lang="en-US" sz="2000" dirty="0">
+                <a:latin typeface="Calibri" pitchFamily="34" charset="0"/>
+                <a:cs typeface="Calibri" pitchFamily="34" charset="0"/>
+              </a:rPr>
+              <a:t>(</a:t>
+            </a:r>
+            <a:br>
+              <a:rPr lang="en-US" sz="2400" b="1" dirty="0">
+                <a:latin typeface="Calibri" pitchFamily="34" charset="0"/>
+                <a:cs typeface="Calibri" pitchFamily="34" charset="0"/>
+              </a:rPr>
+            </a:br>
             <a:r>
               <a:rPr lang="he-IL" sz="2400" dirty="0">
                 <a:latin typeface="Calibri" pitchFamily="34" charset="0"/>
                 <a:cs typeface="Calibri" pitchFamily="34" charset="0"/>
               </a:rPr>
-              <a:t>ולאמוד באופן מספרי </a:t>
-            </a:r>
-            <a:r>
-              <a:rPr lang="he-IL" sz="2400" dirty="0" smtClean="0">
-                <a:latin typeface="Calibri" pitchFamily="34" charset="0"/>
-                <a:cs typeface="Calibri" pitchFamily="34" charset="0"/>
-              </a:rPr>
-              <a:t>מדויק </a:t>
-            </a:r>
-            <a:r>
-              <a:rPr lang="he-IL" sz="2400" dirty="0">
-                <a:latin typeface="Calibri" pitchFamily="34" charset="0"/>
-                <a:cs typeface="Calibri" pitchFamily="34" charset="0"/>
-              </a:rPr>
-              <a:t>אחר </a:t>
-            </a:r>
-            <a:r>
-              <a:rPr lang="he-IL" sz="2400" dirty="0" smtClean="0">
-                <a:latin typeface="Calibri" pitchFamily="34" charset="0"/>
-                <a:cs typeface="Calibri" pitchFamily="34" charset="0"/>
-              </a:rPr>
-              <a:t>רעד הידיים </a:t>
-            </a:r>
-            <a:r>
-              <a:rPr lang="he-IL" sz="2400" dirty="0">
-                <a:latin typeface="Calibri" pitchFamily="34" charset="0"/>
-                <a:cs typeface="Calibri" pitchFamily="34" charset="0"/>
-              </a:rPr>
-              <a:t>בפעולות </a:t>
-            </a:r>
-            <a:r>
-              <a:rPr lang="he-IL" sz="2400" dirty="0" smtClean="0">
-                <a:latin typeface="Calibri" pitchFamily="34" charset="0"/>
-                <a:cs typeface="Calibri" pitchFamily="34" charset="0"/>
-              </a:rPr>
-              <a:t>השונות, לפתח את המודעות לבעיה ובכך לנסות להפחית את הרעד</a:t>
-            </a:r>
-            <a:r>
-              <a:rPr lang="he-IL" sz="2400" dirty="0">
-                <a:latin typeface="Calibri" pitchFamily="34" charset="0"/>
-                <a:cs typeface="Calibri" pitchFamily="34" charset="0"/>
-              </a:rPr>
-              <a:t>. </a:t>
-            </a:r>
-          </a:p>
-        </p:txBody>
-      </p:sp>
-      <p:sp>
-        <p:nvSpPr>
-          <p:cNvPr id="12" name="TextBox 11"/>
-          <p:cNvSpPr txBox="1"/>
-          <p:nvPr/>
-        </p:nvSpPr>
-        <p:spPr>
-          <a:xfrm>
-            <a:off x="409028" y="3180794"/>
-            <a:ext cx="4689719" cy="2431435"/>
-          </a:xfrm>
-          <a:prstGeom prst="rect">
-            <a:avLst/>
-          </a:prstGeom>
-          <a:noFill/>
-        </p:spPr>
-        <p:txBody>
-          <a:bodyPr wrap="square" rtlCol="1">
-            <a:spAutoFit/>
-          </a:bodyPr>
-          <a:lstStyle/>
-          <a:p>
-            <a:r>
-              <a:rPr lang="he-IL" sz="2400" b="1" dirty="0" smtClean="0">
-                <a:latin typeface="Calibri" pitchFamily="34" charset="0"/>
-                <a:cs typeface="Calibri" pitchFamily="34" charset="0"/>
-              </a:rPr>
-              <a:t>למה כדאי להשתמש באפליקציה?</a:t>
-            </a:r>
-            <a:r>
-              <a:rPr lang="en-US" sz="2400" b="1" dirty="0" smtClean="0">
-                <a:latin typeface="Calibri" pitchFamily="34" charset="0"/>
-                <a:cs typeface="Calibri" pitchFamily="34" charset="0"/>
-              </a:rPr>
-              <a:t/>
-            </a:r>
-            <a:br>
-              <a:rPr lang="en-US" sz="2400" b="1" dirty="0" smtClean="0">
-                <a:latin typeface="Calibri" pitchFamily="34" charset="0"/>
-                <a:cs typeface="Calibri" pitchFamily="34" charset="0"/>
-              </a:rPr>
-            </a:br>
-            <a:r>
-              <a:rPr lang="he-IL" sz="2000" b="1" dirty="0" smtClean="0">
-                <a:latin typeface="Calibri" pitchFamily="34" charset="0"/>
-                <a:cs typeface="Calibri" pitchFamily="34" charset="0"/>
-              </a:rPr>
-              <a:t>"</a:t>
-            </a:r>
-            <a:r>
-              <a:rPr lang="he-IL" sz="2000" dirty="0" smtClean="0">
-                <a:latin typeface="Calibri" pitchFamily="34" charset="0"/>
-                <a:cs typeface="Calibri" pitchFamily="34" charset="0"/>
-              </a:rPr>
-              <a:t>קיים </a:t>
-            </a:r>
-            <a:r>
-              <a:rPr lang="he-IL" sz="2000" dirty="0">
-                <a:latin typeface="Calibri" pitchFamily="34" charset="0"/>
-                <a:cs typeface="Calibri" pitchFamily="34" charset="0"/>
-              </a:rPr>
-              <a:t>רעד פיזיולוגי שיכול להופיע אצל כל אדם. רעד כזה יכול לנבוע ממצבי לחץ ומגורמים סביבתיים שונים, והוא עלול להתגבר בשל סיבות </a:t>
-            </a:r>
-            <a:r>
-              <a:rPr lang="he-IL" sz="2000" dirty="0" smtClean="0">
-                <a:latin typeface="Calibri" pitchFamily="34" charset="0"/>
-                <a:cs typeface="Calibri" pitchFamily="34" charset="0"/>
-              </a:rPr>
-              <a:t>שונות.." (ד"ר ערן גורן</a:t>
-            </a:r>
-            <a:r>
-              <a:rPr lang="en-US" sz="2000" dirty="0" smtClean="0">
-                <a:latin typeface="Calibri" pitchFamily="34" charset="0"/>
-                <a:cs typeface="Calibri" pitchFamily="34" charset="0"/>
-              </a:rPr>
-              <a:t>(</a:t>
-            </a:r>
-            <a:r>
-              <a:rPr lang="en-US" sz="2400" b="1" dirty="0" smtClean="0">
-                <a:latin typeface="Calibri" pitchFamily="34" charset="0"/>
-                <a:cs typeface="Calibri" pitchFamily="34" charset="0"/>
-              </a:rPr>
-              <a:t/>
-            </a:r>
-            <a:br>
-              <a:rPr lang="en-US" sz="2400" b="1" dirty="0" smtClean="0">
-                <a:latin typeface="Calibri" pitchFamily="34" charset="0"/>
-                <a:cs typeface="Calibri" pitchFamily="34" charset="0"/>
-              </a:rPr>
-            </a:br>
-            <a:r>
-              <a:rPr lang="he-IL" sz="2400" dirty="0" smtClean="0">
-                <a:latin typeface="Calibri" pitchFamily="34" charset="0"/>
-                <a:cs typeface="Calibri" pitchFamily="34" charset="0"/>
-              </a:rPr>
-              <a:t>המלצתנו היא להיות בבקרה על הרעד ולנסות לשפר את </a:t>
-            </a:r>
-            <a:r>
-              <a:rPr lang="he-IL" sz="2400" dirty="0">
-                <a:latin typeface="Calibri" pitchFamily="34" charset="0"/>
-                <a:cs typeface="Calibri" pitchFamily="34" charset="0"/>
-              </a:rPr>
-              <a:t>תפקודינו. </a:t>
+              <a:t>המלצתנו היא להיות בבקרה על הרעד ולנסות לשפר את תפקודינו. </a:t>
             </a:r>
           </a:p>
         </p:txBody>
@@ -5111,7 +4990,7 @@
           <a:p>
             <a:pPr algn="ctr"/>
             <a:r>
-              <a:rPr lang="he-IL" sz="7200" b="1" dirty="0" smtClean="0">
+              <a:rPr lang="he-IL" sz="7200" b="1" dirty="0">
                 <a:gradFill>
                   <a:gsLst>
                     <a:gs pos="0">
@@ -5137,30 +5016,6 @@
               </a:rPr>
               <a:t>תיאור האפליקציה</a:t>
             </a:r>
-            <a:endParaRPr lang="he-IL" sz="7200" b="1" dirty="0">
-              <a:gradFill>
-                <a:gsLst>
-                  <a:gs pos="0">
-                    <a:schemeClr val="bg1"/>
-                  </a:gs>
-                  <a:gs pos="100000">
-                    <a:schemeClr val="bg1">
-                      <a:alpha val="70000"/>
-                    </a:schemeClr>
-                  </a:gs>
-                </a:gsLst>
-                <a:lin ang="5400000" scaled="0"/>
-              </a:gradFill>
-              <a:effectLst>
-                <a:outerShdw blurRad="50800" dist="38100" dir="8100000" algn="tr" rotWithShape="0">
-                  <a:prstClr val="black">
-                    <a:alpha val="40000"/>
-                  </a:prstClr>
-                </a:outerShdw>
-              </a:effectLst>
-              <a:latin typeface="Calibri" pitchFamily="34" charset="0"/>
-              <a:cs typeface="Calibri" pitchFamily="34" charset="0"/>
-            </a:endParaRPr>
           </a:p>
         </p:txBody>
       </p:sp>
@@ -5174,13 +5029,6 @@
   <p:clrMapOvr>
     <a:masterClrMapping/>
   </p:clrMapOvr>
-  <p:timing>
-    <p:tnLst>
-      <p:par>
-        <p:cTn id="1" dur="indefinite" restart="never" nodeType="tmRoot"/>
-      </p:par>
-    </p:tnLst>
-  </p:timing>
 </p:sld>
 </file>
 
@@ -5614,7 +5462,7 @@
           <a:p>
             <a:pPr algn="ctr"/>
             <a:r>
-              <a:rPr lang="en-US" sz="2000" b="1" spc="300" dirty="0" smtClean="0">
+              <a:rPr lang="en-US" sz="2000" b="1" spc="300" dirty="0">
                 <a:latin typeface="Agency FB" pitchFamily="2" charset="0"/>
               </a:rPr>
               <a:t>Splash Activity</a:t>
@@ -5649,7 +5497,7 @@
           <a:p>
             <a:pPr algn="ctr"/>
             <a:r>
-              <a:rPr lang="en-US" sz="2000" b="1" spc="300" dirty="0" smtClean="0">
+              <a:rPr lang="en-US" sz="2000" b="1" spc="300" dirty="0">
                 <a:latin typeface="Agency FB" pitchFamily="2" charset="0"/>
               </a:rPr>
               <a:t>Indices Activity</a:t>
@@ -5817,7 +5665,7 @@
           <a:p>
             <a:pPr algn="ctr"/>
             <a:r>
-              <a:rPr lang="en-US" sz="2000" b="1" spc="300" dirty="0" smtClean="0">
+              <a:rPr lang="en-US" sz="2000" b="1" spc="300" dirty="0">
                 <a:latin typeface="Agency FB" pitchFamily="2" charset="0"/>
               </a:rPr>
               <a:t>Instructions Activity</a:t>
@@ -6017,7 +5865,7 @@
           <a:p>
             <a:pPr algn="ctr"/>
             <a:r>
-              <a:rPr lang="he-IL" sz="7200" b="1" dirty="0" smtClean="0">
+              <a:rPr lang="he-IL" sz="7200" b="1" dirty="0">
                 <a:gradFill>
                   <a:gsLst>
                     <a:gs pos="0">
@@ -6043,30 +5891,6 @@
               </a:rPr>
               <a:t>מסכי האפליקציה</a:t>
             </a:r>
-            <a:endParaRPr lang="he-IL" sz="7200" b="1" dirty="0">
-              <a:gradFill>
-                <a:gsLst>
-                  <a:gs pos="0">
-                    <a:schemeClr val="bg1"/>
-                  </a:gs>
-                  <a:gs pos="100000">
-                    <a:schemeClr val="bg1">
-                      <a:alpha val="70000"/>
-                    </a:schemeClr>
-                  </a:gs>
-                </a:gsLst>
-                <a:lin ang="5400000" scaled="0"/>
-              </a:gradFill>
-              <a:effectLst>
-                <a:outerShdw blurRad="50800" dist="38100" dir="8100000" algn="tr" rotWithShape="0">
-                  <a:prstClr val="black">
-                    <a:alpha val="40000"/>
-                  </a:prstClr>
-                </a:outerShdw>
-              </a:effectLst>
-              <a:latin typeface="Calibri" pitchFamily="34" charset="0"/>
-              <a:cs typeface="Calibri" pitchFamily="34" charset="0"/>
-            </a:endParaRPr>
           </a:p>
         </p:txBody>
       </p:sp>
@@ -6724,7 +6548,7 @@
           <a:p>
             <a:pPr algn="ctr"/>
             <a:r>
-              <a:rPr lang="en-US" sz="3200" b="1" spc="300" dirty="0" smtClean="0">
+              <a:rPr lang="en-US" sz="3200" b="1" spc="300" dirty="0">
                 <a:latin typeface="Agency FB" pitchFamily="2" charset="0"/>
               </a:rPr>
               <a:t>Splash </a:t>
@@ -6879,38 +6703,24 @@
               <a:t>Thread</a:t>
             </a:r>
             <a:r>
-              <a:rPr lang="he-IL" sz="2400" b="1" dirty="0" smtClean="0">
+              <a:rPr lang="he-IL" sz="2400" b="1" dirty="0">
                 <a:latin typeface="Calibri" pitchFamily="34" charset="0"/>
                 <a:cs typeface="Calibri" pitchFamily="34" charset="0"/>
               </a:rPr>
               <a:t>)</a:t>
             </a:r>
-            <a:r>
-              <a:rPr lang="en-US" sz="2400" b="1" dirty="0" smtClean="0">
-                <a:latin typeface="Calibri" pitchFamily="34" charset="0"/>
-                <a:cs typeface="Calibri" pitchFamily="34" charset="0"/>
-              </a:rPr>
-              <a:t/>
-            </a:r>
             <a:br>
-              <a:rPr lang="en-US" sz="2400" b="1" dirty="0" smtClean="0">
+              <a:rPr lang="en-US" sz="2400" b="1" dirty="0">
                 <a:latin typeface="Calibri" pitchFamily="34" charset="0"/>
                 <a:cs typeface="Calibri" pitchFamily="34" charset="0"/>
               </a:rPr>
             </a:br>
             <a:r>
-              <a:rPr lang="he-IL" sz="2400" dirty="0" smtClean="0">
-                <a:latin typeface="Calibri" pitchFamily="34" charset="0"/>
-                <a:cs typeface="Calibri" pitchFamily="34" charset="0"/>
-              </a:rPr>
-              <a:t>דיליי </a:t>
-            </a:r>
-            <a:r>
               <a:rPr lang="he-IL" sz="2400" dirty="0">
                 <a:latin typeface="Calibri" pitchFamily="34" charset="0"/>
                 <a:cs typeface="Calibri" pitchFamily="34" charset="0"/>
               </a:rPr>
-              <a:t>של 3 שניות לפני מעבר למסך הבא</a:t>
+              <a:t>דיליי של 3 שניות לפני מעבר למסך הבא</a:t>
             </a:r>
           </a:p>
         </p:txBody>
@@ -6925,13 +6735,6 @@
   <p:clrMapOvr>
     <a:masterClrMapping/>
   </p:clrMapOvr>
-  <p:timing>
-    <p:tnLst>
-      <p:par>
-        <p:cTn id="1" dur="indefinite" restart="never" nodeType="tmRoot"/>
-      </p:par>
-    </p:tnLst>
-  </p:timing>
 </p:sld>
 </file>
 
@@ -7284,7 +7087,7 @@
               <a:t>Instructions </a:t>
             </a:r>
             <a:r>
-              <a:rPr lang="en-US" sz="3200" b="1" spc="300" dirty="0" smtClean="0">
+              <a:rPr lang="en-US" sz="3200" b="1" spc="300" dirty="0">
                 <a:latin typeface="Agency FB" pitchFamily="2" charset="0"/>
                 <a:cs typeface="Calibri" pitchFamily="34" charset="0"/>
               </a:rPr>
@@ -7322,14 +7125,7 @@
                 <a:latin typeface="Calibri" pitchFamily="34" charset="0"/>
                 <a:cs typeface="Calibri" pitchFamily="34" charset="0"/>
               </a:rPr>
-              <a:t>מסך </a:t>
-            </a:r>
-            <a:r>
-              <a:rPr lang="he-IL" sz="2800" b="1" dirty="0" smtClean="0">
-                <a:latin typeface="Calibri" pitchFamily="34" charset="0"/>
-                <a:cs typeface="Calibri" pitchFamily="34" charset="0"/>
-              </a:rPr>
-              <a:t>הוראות </a:t>
+              <a:t>מסך הוראות </a:t>
             </a:r>
             <a:r>
               <a:rPr lang="he-IL" sz="2400" dirty="0">
@@ -7702,21 +7498,14 @@
               </a:rPr>
               <a:t>מקלט שידורים </a:t>
             </a:r>
-            <a:r>
-              <a:rPr lang="en-US" sz="2400" b="1" dirty="0" smtClean="0">
-                <a:latin typeface="Calibri" pitchFamily="34" charset="0"/>
-                <a:cs typeface="Calibri" pitchFamily="34" charset="0"/>
-              </a:rPr>
-              <a:t/>
-            </a:r>
             <a:br>
-              <a:rPr lang="en-US" sz="2400" b="1" dirty="0" smtClean="0">
+              <a:rPr lang="en-US" sz="2400" b="1" dirty="0">
                 <a:latin typeface="Calibri" pitchFamily="34" charset="0"/>
                 <a:cs typeface="Calibri" pitchFamily="34" charset="0"/>
               </a:rPr>
             </a:br>
             <a:r>
-              <a:rPr lang="he-IL" sz="2400" b="1" dirty="0" smtClean="0">
+              <a:rPr lang="he-IL" sz="2400" b="1" dirty="0">
                 <a:latin typeface="Calibri" pitchFamily="34" charset="0"/>
                 <a:cs typeface="Calibri" pitchFamily="34" charset="0"/>
               </a:rPr>
@@ -7748,25 +7537,18 @@
               </a:spcAft>
             </a:pPr>
             <a:r>
-              <a:rPr lang="en-US" sz="2400" dirty="0" err="1" smtClean="0">
+              <a:rPr lang="en-US" sz="2400" dirty="0" err="1">
                 <a:latin typeface="Calibri" pitchFamily="34" charset="0"/>
                 <a:cs typeface="Calibri" pitchFamily="34" charset="0"/>
               </a:rPr>
               <a:t>AlarmNotificationReceiver</a:t>
             </a:r>
             <a:r>
-              <a:rPr lang="he-IL" sz="2400" dirty="0" smtClean="0">
-                <a:latin typeface="Calibri" pitchFamily="34" charset="0"/>
-                <a:cs typeface="Calibri" pitchFamily="34" charset="0"/>
-              </a:rPr>
-              <a:t> – שימוש </a:t>
-            </a:r>
-            <a:r>
               <a:rPr lang="he-IL" sz="2400" dirty="0">
                 <a:latin typeface="Calibri" pitchFamily="34" charset="0"/>
                 <a:cs typeface="Calibri" pitchFamily="34" charset="0"/>
               </a:rPr>
-              <a:t>כדי לשלוח התראות של האפליקציה</a:t>
+              <a:t> – שימוש כדי לשלוח התראות של האפליקציה</a:t>
             </a:r>
             <a:endParaRPr lang="he-IL" sz="2400" b="1" dirty="0">
               <a:latin typeface="Calibri" pitchFamily="34" charset="0"/>
@@ -7830,25 +7612,18 @@
               </a:spcAft>
             </a:pPr>
             <a:r>
-              <a:rPr lang="en-US" sz="2400" dirty="0" err="1" smtClean="0">
+              <a:rPr lang="en-US" sz="2400" dirty="0" err="1">
                 <a:latin typeface="Calibri" pitchFamily="34" charset="0"/>
                 <a:cs typeface="Calibri" pitchFamily="34" charset="0"/>
               </a:rPr>
               <a:t>MusicService</a:t>
             </a:r>
             <a:r>
-              <a:rPr lang="he-IL" sz="2400" dirty="0" smtClean="0">
-                <a:latin typeface="Calibri" pitchFamily="34" charset="0"/>
-                <a:cs typeface="Calibri" pitchFamily="34" charset="0"/>
-              </a:rPr>
-              <a:t>- </a:t>
-            </a:r>
-            <a:r>
               <a:rPr lang="he-IL" sz="2400" dirty="0">
                 <a:latin typeface="Calibri" pitchFamily="34" charset="0"/>
                 <a:cs typeface="Calibri" pitchFamily="34" charset="0"/>
               </a:rPr>
-              <a:t>שימוש ב-</a:t>
+              <a:t>- שימוש ב-</a:t>
             </a:r>
             <a:r>
               <a:rPr lang="en-US" sz="2400" dirty="0">
@@ -8012,7 +7787,7 @@
               <a:t>Thread</a:t>
             </a:r>
             <a:r>
-              <a:rPr lang="he-IL" sz="2400" b="1" dirty="0" smtClean="0">
+              <a:rPr lang="he-IL" sz="2400" b="1" dirty="0">
                 <a:latin typeface="Calibri" pitchFamily="34" charset="0"/>
                 <a:cs typeface="Calibri" pitchFamily="34" charset="0"/>
               </a:rPr>
@@ -8025,39 +7800,18 @@
               </a:rPr>
               <a:t> </a:t>
             </a:r>
-            <a:r>
-              <a:rPr lang="en-US" sz="2400" dirty="0" smtClean="0">
-                <a:latin typeface="Calibri" pitchFamily="34" charset="0"/>
-                <a:cs typeface="Calibri" pitchFamily="34" charset="0"/>
-              </a:rPr>
-              <a:t/>
-            </a:r>
             <a:br>
-              <a:rPr lang="en-US" sz="2400" dirty="0" smtClean="0">
+              <a:rPr lang="en-US" sz="2400" dirty="0">
                 <a:latin typeface="Calibri" pitchFamily="34" charset="0"/>
                 <a:cs typeface="Calibri" pitchFamily="34" charset="0"/>
               </a:rPr>
             </a:br>
             <a:r>
-              <a:rPr lang="he-IL" sz="2400" dirty="0" smtClean="0">
-                <a:latin typeface="Calibri" pitchFamily="34" charset="0"/>
-                <a:cs typeface="Calibri" pitchFamily="34" charset="0"/>
-              </a:rPr>
-              <a:t>ריצת </a:t>
-            </a:r>
-            <a:r>
               <a:rPr lang="he-IL" sz="2400" dirty="0">
                 <a:latin typeface="Calibri" pitchFamily="34" charset="0"/>
                 <a:cs typeface="Calibri" pitchFamily="34" charset="0"/>
               </a:rPr>
-              <a:t>המוזיקה </a:t>
-            </a:r>
-            <a:r>
-              <a:rPr lang="he-IL" sz="2400" dirty="0" smtClean="0">
-                <a:latin typeface="Calibri" pitchFamily="34" charset="0"/>
-                <a:cs typeface="Calibri" pitchFamily="34" charset="0"/>
-              </a:rPr>
-              <a:t>ברקע</a:t>
+              <a:t>ריצת המוזיקה ברקע</a:t>
             </a:r>
             <a:endParaRPr lang="en-US" sz="2400" dirty="0">
               <a:latin typeface="Calibri" pitchFamily="34" charset="0"/>
@@ -8158,7 +7912,7 @@
               <a:t>שמירת נתונים (</a:t>
             </a:r>
             <a:r>
-              <a:rPr lang="en-US" sz="2400" b="1" dirty="0" smtClean="0">
+              <a:rPr lang="en-US" sz="2400" b="1" dirty="0">
                 <a:latin typeface="Calibri" pitchFamily="34" charset="0"/>
                 <a:cs typeface="Calibri" pitchFamily="34" charset="0"/>
               </a:rPr>
@@ -8174,18 +7928,11 @@
           </a:p>
           <a:p>
             <a:r>
-              <a:rPr lang="he-IL" sz="2400" dirty="0" smtClean="0">
-                <a:latin typeface="Calibri" pitchFamily="34" charset="0"/>
-                <a:cs typeface="Calibri" pitchFamily="34" charset="0"/>
-              </a:rPr>
-              <a:t> </a:t>
-            </a:r>
-            <a:r>
               <a:rPr lang="he-IL" sz="2400" dirty="0">
                 <a:latin typeface="Calibri" pitchFamily="34" charset="0"/>
                 <a:cs typeface="Calibri" pitchFamily="34" charset="0"/>
               </a:rPr>
-              <a:t>שמירת מצב המוזיקה (ערך בוליאני מתנגן/לא מתנגן) כדי שנדע איזה אייקון להציג (</a:t>
+              <a:t> שמירת מצב המוזיקה (ערך בוליאני מתנגן/לא מתנגן) כדי שנדע איזה אייקון להציג (</a:t>
             </a:r>
             <a:r>
               <a:rPr lang="en-US" sz="2400" dirty="0">
@@ -8214,13 +7961,6 @@
   <p:clrMapOvr>
     <a:masterClrMapping/>
   </p:clrMapOvr>
-  <p:timing>
-    <p:tnLst>
-      <p:par>
-        <p:cTn id="1" dur="indefinite" restart="never" nodeType="tmRoot"/>
-      </p:par>
-    </p:tnLst>
-  </p:timing>
 </p:sld>
 </file>
 
@@ -8614,7 +8354,7 @@
               <a:t>Instructions </a:t>
             </a:r>
             <a:r>
-              <a:rPr lang="en-US" sz="3200" b="1" spc="300" dirty="0" smtClean="0">
+              <a:rPr lang="en-US" sz="3200" b="1" spc="300" dirty="0">
                 <a:latin typeface="Agency FB" pitchFamily="2" charset="0"/>
                 <a:cs typeface="Calibri" pitchFamily="34" charset="0"/>
               </a:rPr>
@@ -8886,38 +8626,24 @@
               <a:t>Notification</a:t>
             </a:r>
             <a:r>
-              <a:rPr lang="he-IL" sz="2400" b="1" dirty="0" smtClean="0">
+              <a:rPr lang="he-IL" sz="2400" b="1" dirty="0">
                 <a:latin typeface="Calibri" pitchFamily="34" charset="0"/>
                 <a:cs typeface="Calibri" pitchFamily="34" charset="0"/>
               </a:rPr>
               <a:t>)</a:t>
             </a:r>
-            <a:r>
-              <a:rPr lang="en-US" sz="2400" b="1" dirty="0" smtClean="0">
-                <a:latin typeface="Calibri" pitchFamily="34" charset="0"/>
-                <a:cs typeface="Calibri" pitchFamily="34" charset="0"/>
-              </a:rPr>
-              <a:t/>
-            </a:r>
             <a:br>
-              <a:rPr lang="en-US" sz="2400" b="1" dirty="0" smtClean="0">
+              <a:rPr lang="en-US" sz="2400" b="1" dirty="0">
                 <a:latin typeface="Calibri" pitchFamily="34" charset="0"/>
                 <a:cs typeface="Calibri" pitchFamily="34" charset="0"/>
               </a:rPr>
             </a:br>
             <a:r>
-              <a:rPr lang="he-IL" sz="2400" dirty="0" smtClean="0">
-                <a:latin typeface="Calibri" pitchFamily="34" charset="0"/>
-                <a:cs typeface="Calibri" pitchFamily="34" charset="0"/>
-              </a:rPr>
-              <a:t>התראה </a:t>
-            </a:r>
-            <a:r>
               <a:rPr lang="he-IL" sz="2400" dirty="0">
                 <a:latin typeface="Calibri" pitchFamily="34" charset="0"/>
                 <a:cs typeface="Calibri" pitchFamily="34" charset="0"/>
               </a:rPr>
-              <a:t>יומית תשלח למשתמש כדי להזכיר לו לבצע בדיקה</a:t>
+              <a:t>התראה יומית תשלח למשתמש כדי להזכיר לו לבצע בדיקה</a:t>
             </a:r>
           </a:p>
         </p:txBody>
@@ -9027,14 +8753,14 @@
               <a:buChar char="•"/>
             </a:pPr>
             <a:r>
-              <a:rPr lang="en-US" sz="2400" b="1" dirty="0" smtClean="0">
+              <a:rPr lang="en-US" sz="2400" b="1" dirty="0">
                 <a:latin typeface="Calibri" pitchFamily="34" charset="0"/>
                 <a:cs typeface="Calibri" pitchFamily="34" charset="0"/>
               </a:rPr>
               <a:t>Introduction</a:t>
             </a:r>
             <a:r>
-              <a:rPr lang="he-IL" sz="2400" b="1" dirty="0" smtClean="0">
+              <a:rPr lang="he-IL" sz="2400" b="1" dirty="0">
                 <a:latin typeface="Calibri" pitchFamily="34" charset="0"/>
                 <a:cs typeface="Calibri" pitchFamily="34" charset="0"/>
               </a:rPr>
@@ -9067,21 +8793,7 @@
                 <a:latin typeface="Calibri" pitchFamily="34" charset="0"/>
                 <a:cs typeface="Calibri" pitchFamily="34" charset="0"/>
               </a:rPr>
-              <a:t>Set </a:t>
-            </a:r>
-            <a:r>
-              <a:rPr lang="en-US" sz="2400" b="1" dirty="0" smtClean="0">
-                <a:latin typeface="Calibri" pitchFamily="34" charset="0"/>
-                <a:cs typeface="Calibri" pitchFamily="34" charset="0"/>
-              </a:rPr>
-              <a:t>daily </a:t>
-            </a:r>
-            <a:r>
-              <a:rPr lang="en-US" sz="2400" b="1" dirty="0">
-                <a:latin typeface="Calibri" pitchFamily="34" charset="0"/>
-                <a:cs typeface="Calibri" pitchFamily="34" charset="0"/>
-              </a:rPr>
-              <a:t>notification</a:t>
+              <a:t>Set daily notification</a:t>
             </a:r>
             <a:r>
               <a:rPr lang="he-IL" sz="2400" b="1" dirty="0">
@@ -9288,13 +9000,6 @@
   <p:clrMapOvr>
     <a:masterClrMapping/>
   </p:clrMapOvr>
-  <p:timing>
-    <p:tnLst>
-      <p:par>
-        <p:cTn id="1" dur="indefinite" restart="never" nodeType="tmRoot"/>
-      </p:par>
-    </p:tnLst>
-  </p:timing>
 </p:sld>
 </file>
 
@@ -9784,7 +9489,7 @@
           <a:p>
             <a:pPr algn="ctr"/>
             <a:r>
-              <a:rPr lang="en-US" sz="3200" b="1" spc="300" dirty="0" smtClean="0">
+              <a:rPr lang="en-US" sz="3200" b="1" spc="300" dirty="0">
                 <a:latin typeface="Agency FB" pitchFamily="2" charset="0"/>
               </a:rPr>
               <a:t>Indices </a:t>
@@ -10084,10 +9789,6 @@
                 </a:rPr>
                 <a:t>תרשים רץ</a:t>
               </a:r>
-              <a:endParaRPr lang="he-IL" sz="2400" dirty="0">
-                <a:latin typeface="Calibri" pitchFamily="34" charset="0"/>
-                <a:cs typeface="Calibri" pitchFamily="34" charset="0"/>
-              </a:endParaRPr>
             </a:p>
           </p:txBody>
         </p:sp>
@@ -10214,18 +9915,11 @@
             </a:p>
             <a:p>
               <a:r>
-                <a:rPr lang="he-IL" sz="2400" dirty="0" smtClean="0">
-                  <a:latin typeface="Calibri" pitchFamily="34" charset="0"/>
-                  <a:cs typeface="Calibri" pitchFamily="34" charset="0"/>
-                </a:rPr>
-                <a:t>שמירת </a:t>
-              </a:r>
-              <a:r>
                 <a:rPr lang="he-IL" sz="2400" dirty="0">
                   <a:latin typeface="Calibri" pitchFamily="34" charset="0"/>
                   <a:cs typeface="Calibri" pitchFamily="34" charset="0"/>
                 </a:rPr>
-                <a:t>נתוני המדידה האחרונה עבור כל אחת משלושת האפשרויות. התוצאה הקודמת מופיעה בראש המסך.</a:t>
+                <a:t>שמירת נתוני המדידה האחרונה עבור כל אחת משלושת האפשרויות. התוצאה הקודמת מופיעה בראש המסך.</a:t>
               </a:r>
             </a:p>
           </p:txBody>
@@ -10602,13 +10296,6 @@
   <p:clrMapOvr>
     <a:masterClrMapping/>
   </p:clrMapOvr>
-  <p:timing>
-    <p:tnLst>
-      <p:par>
-        <p:cTn id="1" dur="indefinite" restart="never" nodeType="tmRoot"/>
-      </p:par>
-    </p:tnLst>
-  </p:timing>
 </p:sld>
 </file>
 
@@ -10882,146 +10569,40 @@
           <a:lstStyle/>
           <a:p>
             <a:r>
-              <a:rPr lang="he-IL" sz="2400" dirty="0" smtClean="0">
-                <a:latin typeface="Calibri" pitchFamily="34" charset="0"/>
-                <a:cs typeface="Calibri" pitchFamily="34" charset="0"/>
-              </a:rPr>
-              <a:t>באפליקציה השתמשנו </a:t>
-            </a:r>
-            <a:r>
               <a:rPr lang="he-IL" sz="2400" dirty="0">
                 <a:latin typeface="Calibri" pitchFamily="34" charset="0"/>
                 <a:cs typeface="Calibri" pitchFamily="34" charset="0"/>
               </a:rPr>
-              <a:t>ברכיב הסנסור </a:t>
-            </a:r>
-            <a:r>
-              <a:rPr lang="he-IL" sz="2400" dirty="0" smtClean="0">
+              <a:t>באפליקציה השתמשנו ברכיב הסנסור אקסילומטר על מנת לאמוד את היציבות בידיים ולספק מידע שיוכל ללוות המון אנשים בתהליך שיפור היציבות. </a:t>
+            </a:r>
+            <a:br>
+              <a:rPr lang="en-US" sz="2400" dirty="0">
                 <a:latin typeface="Calibri" pitchFamily="34" charset="0"/>
                 <a:cs typeface="Calibri" pitchFamily="34" charset="0"/>
               </a:rPr>
-              <a:t>אקסילומטר </a:t>
-            </a:r>
+            </a:br>
             <a:r>
               <a:rPr lang="he-IL" sz="2400" dirty="0">
                 <a:latin typeface="Calibri" pitchFamily="34" charset="0"/>
                 <a:cs typeface="Calibri" pitchFamily="34" charset="0"/>
               </a:rPr>
-              <a:t>על מנת לאמוד את היציבות </a:t>
-            </a:r>
-            <a:r>
-              <a:rPr lang="he-IL" sz="2400" dirty="0" smtClean="0">
+              <a:t>במהלך בניית האפליקציה, לקחנו מרחב מדגם מייצג של סטודנטים להנדסה ובדקנו יציבות בידיים. כדי לשפר את האפליקציה אנחנו חושבות שאפשר להגדיל את מרחב המדגם ואת טווח הגילאים עליהם מבצעים את הבדיקות.</a:t>
+            </a:r>
+          </a:p>
+          <a:p>
+            <a:br>
+              <a:rPr lang="en-US" sz="2400" dirty="0">
                 <a:latin typeface="Calibri" pitchFamily="34" charset="0"/>
                 <a:cs typeface="Calibri" pitchFamily="34" charset="0"/>
               </a:rPr>
-              <a:t>בידיים ולספק </a:t>
-            </a:r>
+            </a:br>
             <a:r>
               <a:rPr lang="he-IL" sz="2400" dirty="0">
                 <a:latin typeface="Calibri" pitchFamily="34" charset="0"/>
                 <a:cs typeface="Calibri" pitchFamily="34" charset="0"/>
               </a:rPr>
-              <a:t>מידע </a:t>
-            </a:r>
-            <a:r>
-              <a:rPr lang="he-IL" sz="2400" dirty="0" smtClean="0">
-                <a:latin typeface="Calibri" pitchFamily="34" charset="0"/>
-                <a:cs typeface="Calibri" pitchFamily="34" charset="0"/>
-              </a:rPr>
-              <a:t>שיוכל </a:t>
-            </a:r>
-            <a:r>
-              <a:rPr lang="he-IL" sz="2400" dirty="0">
-                <a:latin typeface="Calibri" pitchFamily="34" charset="0"/>
-                <a:cs typeface="Calibri" pitchFamily="34" charset="0"/>
-              </a:rPr>
-              <a:t>ללוות המון אנשים </a:t>
-            </a:r>
-            <a:r>
-              <a:rPr lang="he-IL" sz="2400" dirty="0" smtClean="0">
-                <a:latin typeface="Calibri" pitchFamily="34" charset="0"/>
-                <a:cs typeface="Calibri" pitchFamily="34" charset="0"/>
-              </a:rPr>
-              <a:t>בתהליך שיפור היציבות. </a:t>
-            </a:r>
-            <a:r>
-              <a:rPr lang="en-US" sz="2400" dirty="0" smtClean="0">
-                <a:latin typeface="Calibri" pitchFamily="34" charset="0"/>
-                <a:cs typeface="Calibri" pitchFamily="34" charset="0"/>
-              </a:rPr>
-              <a:t/>
-            </a:r>
-            <a:br>
-              <a:rPr lang="en-US" sz="2400" dirty="0" smtClean="0">
-                <a:latin typeface="Calibri" pitchFamily="34" charset="0"/>
-                <a:cs typeface="Calibri" pitchFamily="34" charset="0"/>
-              </a:rPr>
-            </a:br>
-            <a:r>
-              <a:rPr lang="he-IL" sz="2400" dirty="0" smtClean="0">
-                <a:latin typeface="Calibri" pitchFamily="34" charset="0"/>
-                <a:cs typeface="Calibri" pitchFamily="34" charset="0"/>
-              </a:rPr>
-              <a:t>במהלך בניית האפליקציה, </a:t>
-            </a:r>
-            <a:r>
-              <a:rPr lang="he-IL" sz="2400" dirty="0">
-                <a:latin typeface="Calibri" pitchFamily="34" charset="0"/>
-                <a:cs typeface="Calibri" pitchFamily="34" charset="0"/>
-              </a:rPr>
-              <a:t>לקחנו מרחב מדגם מייצג של סטודנטים להנדסה ובדקנו יציבות </a:t>
-            </a:r>
-            <a:r>
-              <a:rPr lang="he-IL" sz="2400" dirty="0" smtClean="0">
-                <a:latin typeface="Calibri" pitchFamily="34" charset="0"/>
-                <a:cs typeface="Calibri" pitchFamily="34" charset="0"/>
-              </a:rPr>
-              <a:t>בידיים. כדי לשפר את האפליקציה אנחנו חושבות שאפשר להגדיל את מרחב המדגם ואת טווח הגילאים עליהם מבצעים את הבדיקות.</a:t>
-            </a:r>
-            <a:endParaRPr lang="he-IL" sz="2400" dirty="0">
-              <a:latin typeface="Calibri" pitchFamily="34" charset="0"/>
-              <a:cs typeface="Calibri" pitchFamily="34" charset="0"/>
-            </a:endParaRPr>
-          </a:p>
-          <a:p>
-            <a:r>
-              <a:rPr lang="en-US" sz="2400" dirty="0" smtClean="0">
-                <a:latin typeface="Calibri" pitchFamily="34" charset="0"/>
-                <a:cs typeface="Calibri" pitchFamily="34" charset="0"/>
-              </a:rPr>
-              <a:t/>
-            </a:r>
-            <a:br>
-              <a:rPr lang="en-US" sz="2400" dirty="0" smtClean="0">
-                <a:latin typeface="Calibri" pitchFamily="34" charset="0"/>
-                <a:cs typeface="Calibri" pitchFamily="34" charset="0"/>
-              </a:rPr>
-            </a:br>
-            <a:r>
-              <a:rPr lang="he-IL" sz="2400" dirty="0" smtClean="0">
-                <a:latin typeface="Calibri" pitchFamily="34" charset="0"/>
-                <a:cs typeface="Calibri" pitchFamily="34" charset="0"/>
-              </a:rPr>
-              <a:t>החוויה </a:t>
-            </a:r>
-            <a:r>
-              <a:rPr lang="he-IL" sz="2400" dirty="0">
-                <a:latin typeface="Calibri" pitchFamily="34" charset="0"/>
-                <a:cs typeface="Calibri" pitchFamily="34" charset="0"/>
-              </a:rPr>
-              <a:t>האישית שלנו מתוך בניית האפליקציה הייתה מאתגרת </a:t>
-            </a:r>
-            <a:r>
-              <a:rPr lang="he-IL" sz="2400" dirty="0" smtClean="0">
-                <a:latin typeface="Calibri" pitchFamily="34" charset="0"/>
-                <a:cs typeface="Calibri" pitchFamily="34" charset="0"/>
-              </a:rPr>
-              <a:t>ומסקרנת, נחשפנו למגוון רחב של אפשרויות שמערכת אנדרואיד מאפשרת למתכנתים ולמשתמשים.</a:t>
-            </a:r>
-            <a:endParaRPr lang="he-IL" sz="2400" dirty="0">
-              <a:latin typeface="Calibri" pitchFamily="34" charset="0"/>
-              <a:cs typeface="Calibri" pitchFamily="34" charset="0"/>
-            </a:endParaRPr>
+              <a:t>החוויה האישית שלנו מתוך בניית האפליקציה הייתה מאתגרת ומסקרנת, נחשפנו למגוון רחב של אפשרויות שמערכת אנדרואיד מאפשרת למתכנתים ולמשתמשים.</a:t>
+            </a:r>
           </a:p>
         </p:txBody>
       </p:sp>
@@ -11126,7 +10707,7 @@
           <a:p>
             <a:pPr algn="ctr"/>
             <a:r>
-              <a:rPr lang="he-IL" sz="7200" b="1" dirty="0" smtClean="0">
+              <a:rPr lang="he-IL" sz="7200" b="1" dirty="0">
                 <a:gradFill>
                   <a:gsLst>
                     <a:gs pos="0">
@@ -11152,30 +10733,6 @@
               </a:rPr>
               <a:t>תוספות וסיכום</a:t>
             </a:r>
-            <a:endParaRPr lang="he-IL" sz="7200" b="1" dirty="0">
-              <a:gradFill>
-                <a:gsLst>
-                  <a:gs pos="0">
-                    <a:schemeClr val="bg1"/>
-                  </a:gs>
-                  <a:gs pos="100000">
-                    <a:schemeClr val="bg1">
-                      <a:alpha val="70000"/>
-                    </a:schemeClr>
-                  </a:gs>
-                </a:gsLst>
-                <a:lin ang="5400000" scaled="0"/>
-              </a:gradFill>
-              <a:effectLst>
-                <a:outerShdw blurRad="50800" dist="38100" dir="8100000" algn="tr" rotWithShape="0">
-                  <a:prstClr val="black">
-                    <a:alpha val="40000"/>
-                  </a:prstClr>
-                </a:outerShdw>
-              </a:effectLst>
-              <a:latin typeface="Calibri" pitchFamily="34" charset="0"/>
-              <a:cs typeface="Calibri" pitchFamily="34" charset="0"/>
-            </a:endParaRPr>
           </a:p>
         </p:txBody>
       </p:sp>
@@ -11189,13 +10746,6 @@
   <p:clrMapOvr>
     <a:masterClrMapping/>
   </p:clrMapOvr>
-  <p:timing>
-    <p:tnLst>
-      <p:par>
-        <p:cTn id="1" dur="indefinite" restart="never" nodeType="tmRoot"/>
-      </p:par>
-    </p:tnLst>
-  </p:timing>
 </p:sld>
 </file>
 
